--- a/12-Responsibility.pptx
+++ b/12-Responsibility.pptx
@@ -23,7 +23,7 @@
     <p:sldId id="360" r:id="rId11"/>
   </p:sldIdLst>
   <p:sldSz cx="9144000" cy="6858000" type="screen4x3"/>
-  <p:notesSz cx="6858000" cy="9296400"/>
+  <p:notesSz cx="6858000" cy="9926638"/>
   <p:defaultTextStyle>
     <a:defPPr>
       <a:defRPr lang="en-US"/>
@@ -163,7 +163,7 @@
         <p:spPr>
           <a:xfrm>
             <a:off x="0" y="0"/>
-            <a:ext cx="2971800" cy="464820"/>
+            <a:ext cx="2971800" cy="496332"/>
           </a:xfrm>
           <a:prstGeom prst="rect">
             <a:avLst/>
@@ -194,7 +194,7 @@
         <p:spPr>
           <a:xfrm>
             <a:off x="3884613" y="0"/>
-            <a:ext cx="2971800" cy="464820"/>
+            <a:ext cx="2971800" cy="496332"/>
           </a:xfrm>
           <a:prstGeom prst="rect">
             <a:avLst/>
@@ -211,7 +211,7 @@
             <a:fld id="{56FF66BB-58F6-4A37-8208-0812DDE6C8EF}" type="datetimeFigureOut">
               <a:rPr lang="el-GR" smtClean="0"/>
               <a:pPr/>
-              <a:t>16/12/2019</a:t>
+              <a:t>4/1/2023</a:t>
             </a:fld>
             <a:endParaRPr lang="el-GR"/>
           </a:p>
@@ -229,8 +229,8 @@
         </p:nvSpPr>
         <p:spPr>
           <a:xfrm>
-            <a:off x="0" y="8829967"/>
-            <a:ext cx="2971800" cy="464820"/>
+            <a:off x="0" y="9428584"/>
+            <a:ext cx="2971800" cy="496332"/>
           </a:xfrm>
           <a:prstGeom prst="rect">
             <a:avLst/>
@@ -260,8 +260,8 @@
         </p:nvSpPr>
         <p:spPr>
           <a:xfrm>
-            <a:off x="3884613" y="8829967"/>
-            <a:ext cx="2971800" cy="464820"/>
+            <a:off x="3884613" y="9428584"/>
+            <a:ext cx="2971800" cy="496332"/>
           </a:xfrm>
           <a:prstGeom prst="rect">
             <a:avLst/>
@@ -325,7 +325,7 @@
         <p:spPr>
           <a:xfrm>
             <a:off x="0" y="0"/>
-            <a:ext cx="2971800" cy="464820"/>
+            <a:ext cx="2971800" cy="496332"/>
           </a:xfrm>
           <a:prstGeom prst="rect">
             <a:avLst/>
@@ -356,7 +356,7 @@
         <p:spPr>
           <a:xfrm>
             <a:off x="3884613" y="0"/>
-            <a:ext cx="2971800" cy="464820"/>
+            <a:ext cx="2971800" cy="496332"/>
           </a:xfrm>
           <a:prstGeom prst="rect">
             <a:avLst/>
@@ -373,7 +373,7 @@
             <a:fld id="{DC17DF70-03C8-4BDB-82BF-9C076E474B74}" type="datetimeFigureOut">
               <a:rPr lang="el-GR" smtClean="0"/>
               <a:pPr/>
-              <a:t>16/12/2019</a:t>
+              <a:t>4/1/2023</a:t>
             </a:fld>
             <a:endParaRPr lang="el-GR"/>
           </a:p>
@@ -391,8 +391,8 @@
         </p:nvSpPr>
         <p:spPr>
           <a:xfrm>
-            <a:off x="1106488" y="696913"/>
-            <a:ext cx="4646612" cy="3486150"/>
+            <a:off x="949325" y="744538"/>
+            <a:ext cx="4960938" cy="3722687"/>
           </a:xfrm>
           <a:prstGeom prst="rect">
             <a:avLst/>
@@ -424,8 +424,8 @@
         </p:nvSpPr>
         <p:spPr>
           <a:xfrm>
-            <a:off x="685800" y="4415790"/>
-            <a:ext cx="5486400" cy="4183380"/>
+            <a:off x="685800" y="4715153"/>
+            <a:ext cx="5486400" cy="4466987"/>
           </a:xfrm>
           <a:prstGeom prst="rect">
             <a:avLst/>
@@ -486,8 +486,8 @@
         </p:nvSpPr>
         <p:spPr>
           <a:xfrm>
-            <a:off x="0" y="8829967"/>
-            <a:ext cx="2971800" cy="464820"/>
+            <a:off x="0" y="9428584"/>
+            <a:ext cx="2971800" cy="496332"/>
           </a:xfrm>
           <a:prstGeom prst="rect">
             <a:avLst/>
@@ -517,8 +517,8 @@
         </p:nvSpPr>
         <p:spPr>
           <a:xfrm>
-            <a:off x="3884613" y="8829967"/>
-            <a:ext cx="2971800" cy="464820"/>
+            <a:off x="3884613" y="9428584"/>
+            <a:ext cx="2971800" cy="496332"/>
           </a:xfrm>
           <a:prstGeom prst="rect">
             <a:avLst/>
@@ -959,7 +959,7 @@
             <a:fld id="{1D8BD707-D9CF-40AE-B4C6-C98DA3205C09}" type="datetimeFigureOut">
               <a:rPr lang="en-US" smtClean="0"/>
               <a:pPr/>
-              <a:t>12/16/2019</a:t>
+              <a:t>1/4/2023</a:t>
             </a:fld>
             <a:endParaRPr lang="en-US"/>
           </a:p>
@@ -1320,7 +1320,7 @@
             <a:fld id="{1D8BD707-D9CF-40AE-B4C6-C98DA3205C09}" type="datetimeFigureOut">
               <a:rPr lang="en-US" smtClean="0"/>
               <a:pPr/>
-              <a:t>12/16/2019</a:t>
+              <a:t>1/4/2023</a:t>
             </a:fld>
             <a:endParaRPr lang="en-US"/>
           </a:p>
@@ -1497,7 +1497,7 @@
             <a:fld id="{1D8BD707-D9CF-40AE-B4C6-C98DA3205C09}" type="datetimeFigureOut">
               <a:rPr lang="en-US" smtClean="0"/>
               <a:pPr/>
-              <a:t>12/16/2019</a:t>
+              <a:t>1/4/2023</a:t>
             </a:fld>
             <a:endParaRPr lang="en-US"/>
           </a:p>
@@ -1734,7 +1734,7 @@
             <a:fld id="{1D8BD707-D9CF-40AE-B4C6-C98DA3205C09}" type="datetimeFigureOut">
               <a:rPr lang="en-US" smtClean="0"/>
               <a:pPr/>
-              <a:t>12/16/2019</a:t>
+              <a:t>1/4/2023</a:t>
             </a:fld>
             <a:endParaRPr lang="en-US"/>
           </a:p>
@@ -2000,7 +2000,7 @@
             <a:fld id="{1D8BD707-D9CF-40AE-B4C6-C98DA3205C09}" type="datetimeFigureOut">
               <a:rPr lang="en-US" smtClean="0"/>
               <a:pPr/>
-              <a:t>12/16/2019</a:t>
+              <a:t>1/4/2023</a:t>
             </a:fld>
             <a:endParaRPr lang="en-US"/>
           </a:p>
@@ -2222,7 +2222,7 @@
             <a:fld id="{1D8BD707-D9CF-40AE-B4C6-C98DA3205C09}" type="datetimeFigureOut">
               <a:rPr lang="en-US" smtClean="0"/>
               <a:pPr/>
-              <a:t>12/16/2019</a:t>
+              <a:t>1/4/2023</a:t>
             </a:fld>
             <a:endParaRPr lang="en-US"/>
           </a:p>
@@ -2576,7 +2576,7 @@
             <a:fld id="{1D8BD707-D9CF-40AE-B4C6-C98DA3205C09}" type="datetimeFigureOut">
               <a:rPr lang="en-US" smtClean="0"/>
               <a:pPr/>
-              <a:t>12/16/2019</a:t>
+              <a:t>1/4/2023</a:t>
             </a:fld>
             <a:endParaRPr lang="en-US"/>
           </a:p>
@@ -2810,7 +2810,7 @@
             <a:fld id="{1D8BD707-D9CF-40AE-B4C6-C98DA3205C09}" type="datetimeFigureOut">
               <a:rPr lang="en-US" smtClean="0"/>
               <a:pPr/>
-              <a:t>12/16/2019</a:t>
+              <a:t>1/4/2023</a:t>
             </a:fld>
             <a:endParaRPr lang="en-US"/>
           </a:p>
@@ -2952,7 +2952,7 @@
             <a:fld id="{1D8BD707-D9CF-40AE-B4C6-C98DA3205C09}" type="datetimeFigureOut">
               <a:rPr lang="en-US" smtClean="0"/>
               <a:pPr/>
-              <a:t>12/16/2019</a:t>
+              <a:t>1/4/2023</a:t>
             </a:fld>
             <a:endParaRPr lang="en-US"/>
           </a:p>
@@ -3231,7 +3231,7 @@
             <a:fld id="{1D8BD707-D9CF-40AE-B4C6-C98DA3205C09}" type="datetimeFigureOut">
               <a:rPr lang="en-US" smtClean="0"/>
               <a:pPr/>
-              <a:t>12/16/2019</a:t>
+              <a:t>1/4/2023</a:t>
             </a:fld>
             <a:endParaRPr lang="en-US"/>
           </a:p>
@@ -3635,7 +3635,7 @@
             <a:fld id="{1D8BD707-D9CF-40AE-B4C6-C98DA3205C09}" type="datetimeFigureOut">
               <a:rPr lang="en-US" smtClean="0"/>
               <a:pPr/>
-              <a:t>12/16/2019</a:t>
+              <a:t>1/4/2023</a:t>
             </a:fld>
             <a:endParaRPr lang="en-US"/>
           </a:p>
@@ -3975,7 +3975,7 @@
             <a:fld id="{1D8BD707-D9CF-40AE-B4C6-C98DA3205C09}" type="datetimeFigureOut">
               <a:rPr lang="en-US" smtClean="0"/>
               <a:pPr/>
-              <a:t>12/16/2019</a:t>
+              <a:t>1/4/2023</a:t>
             </a:fld>
             <a:endParaRPr lang="en-US"/>
           </a:p>
